--- a/presentation/presentation.pptx
+++ b/presentation/presentation.pptx
@@ -283,7 +283,7 @@
     </p:spTree>
     <p:extLst>
       <p:ext uri="{BB962C8B-B14F-4D97-AF65-F5344CB8AC3E}">
-        <p14:creationId xmlns:p14="http://schemas.microsoft.com/office/powerpoint/2010/main" xmlns="" val="3116662975"/>
+        <p14:creationId xmlns="" xmlns:p14="http://schemas.microsoft.com/office/powerpoint/2010/main" val="3116662975"/>
       </p:ext>
     </p:extLst>
   </p:cSld>
@@ -545,7 +545,7 @@
     </p:spTree>
     <p:extLst>
       <p:ext uri="{BB962C8B-B14F-4D97-AF65-F5344CB8AC3E}">
-        <p14:creationId xmlns:p14="http://schemas.microsoft.com/office/powerpoint/2010/main" xmlns="" val="1698157770"/>
+        <p14:creationId xmlns="" xmlns:p14="http://schemas.microsoft.com/office/powerpoint/2010/main" val="1698157770"/>
       </p:ext>
     </p:extLst>
   </p:cSld>
@@ -7693,7 +7693,7 @@
             </a:r>
             <a:r>
               <a:rPr lang="de-DE" dirty="0" err="1" smtClean="0"/>
-              <a:t>upcomming</a:t>
+              <a:t>upcoming</a:t>
             </a:r>
             <a:r>
               <a:rPr lang="de-DE" dirty="0" smtClean="0"/>
@@ -8664,7 +8664,6 @@
               <a:rPr lang="de-DE" dirty="0" smtClean="0"/>
               <a:t>?</a:t>
             </a:r>
-            <a:endParaRPr lang="de-DE" dirty="0" smtClean="0"/>
           </a:p>
           <a:p>
             <a:pPr lvl="1">
@@ -9967,11 +9966,7 @@
             </a:r>
             <a:r>
               <a:rPr lang="de-DE" dirty="0" err="1" smtClean="0"/>
-              <a:t>c</a:t>
-            </a:r>
-            <a:r>
-              <a:rPr lang="de-DE" dirty="0" err="1" smtClean="0"/>
-              <a:t>hest</a:t>
+              <a:t>chest</a:t>
             </a:r>
             <a:r>
               <a:rPr lang="de-DE" dirty="0" smtClean="0"/>
@@ -12487,7 +12482,11 @@
             </a:r>
             <a:r>
               <a:rPr lang="de-DE" dirty="0" smtClean="0"/>
-              <a:t> a </a:t>
+              <a:t> </a:t>
+            </a:r>
+            <a:r>
+              <a:rPr lang="de-DE" dirty="0" smtClean="0"/>
+              <a:t>an </a:t>
             </a:r>
             <a:r>
               <a:rPr lang="de-DE" dirty="0" err="1" smtClean="0"/>
@@ -13088,7 +13087,7 @@
             </a:r>
             <a:r>
               <a:rPr lang="de-DE" dirty="0" err="1" smtClean="0"/>
-              <a:t>accurracy</a:t>
+              <a:t>accuracy</a:t>
             </a:r>
             <a:r>
               <a:rPr lang="de-DE" dirty="0" smtClean="0"/>
@@ -13210,7 +13209,7 @@
             </a:r>
             <a:r>
               <a:rPr lang="de-DE" dirty="0" err="1" smtClean="0"/>
-              <a:t>accurracy</a:t>
+              <a:t>accuracy</a:t>
             </a:r>
             <a:endParaRPr lang="de-DE" dirty="0" smtClean="0"/>
           </a:p>
@@ -13355,7 +13354,7 @@
             </a:r>
             <a:r>
               <a:rPr lang="de-DE" dirty="0" err="1" smtClean="0"/>
-              <a:t>accurracy</a:t>
+              <a:t>accuracy</a:t>
             </a:r>
             <a:r>
               <a:rPr lang="de-DE" dirty="0" smtClean="0"/>
@@ -13492,7 +13491,7 @@
             </a:r>
             <a:r>
               <a:rPr lang="de-DE" b="1" dirty="0" err="1" smtClean="0"/>
-              <a:t>accurracy</a:t>
+              <a:t>accuracy</a:t>
             </a:r>
             <a:r>
               <a:rPr lang="de-DE" b="1" dirty="0" smtClean="0"/>
